--- a/doc/10주차.pptx
+++ b/doc/10주차.pptx
@@ -3896,11 +3896,7 @@
           <a:p>
             <a:r>
               <a:rPr lang="ko-KR" altLang="en-US" dirty="0" smtClean="0"/>
-              <a:t>차원의 크기는 특징의 </a:t>
-            </a:r>
-            <a:r>
-              <a:rPr lang="ko-KR" altLang="en-US" dirty="0" smtClean="0"/>
-              <a:t>개수를 나타냄 </a:t>
+              <a:t>차원의 크기는 특징의 개수를 나타냄 </a:t>
             </a:r>
             <a:endParaRPr lang="en-US" altLang="ko-KR" dirty="0" smtClean="0"/>
           </a:p>
@@ -4001,11 +3997,7 @@
             </a:r>
             <a:r>
               <a:rPr lang="ko-KR" altLang="en-US" dirty="0" smtClean="0"/>
-              <a:t>차원 축소를 사용해야 </a:t>
-            </a:r>
-            <a:r>
-              <a:rPr lang="ko-KR" altLang="en-US" dirty="0" smtClean="0"/>
-              <a:t>함</a:t>
+              <a:t>차원 축소를 사용해야 함</a:t>
             </a:r>
             <a:endParaRPr lang="en-US" altLang="ko-KR" dirty="0" smtClean="0"/>
           </a:p>
@@ -5478,7 +5470,9 @@
         </p:nvSpPr>
         <p:spPr/>
         <p:txBody>
-          <a:bodyPr/>
+          <a:bodyPr>
+            <a:normAutofit lnSpcReduction="10000"/>
+          </a:bodyPr>
           <a:lstStyle/>
           <a:p>
             <a:r>
@@ -5515,18 +5509,45 @@
               <a:rPr lang="en-US" altLang="ko-KR" dirty="0"/>
               <a:t> </a:t>
             </a:r>
+            <a:endParaRPr lang="en-US" altLang="ko-KR" dirty="0" smtClean="0"/>
+          </a:p>
+          <a:p>
+            <a:pPr marL="0" indent="0">
+              <a:buNone/>
+            </a:pPr>
+            <a:r>
+              <a:rPr lang="en-US" altLang="ko-KR" dirty="0"/>
+              <a:t> </a:t>
+            </a:r>
+            <a:r>
+              <a:rPr lang="en-US" altLang="ko-KR" dirty="0" smtClean="0"/>
+              <a:t>   </a:t>
+            </a:r>
             <a:r>
               <a:rPr lang="en-US" altLang="ko-KR" dirty="0" smtClean="0"/>
               <a:t>(</a:t>
             </a:r>
             <a:r>
               <a:rPr lang="ko-KR" altLang="en-US" dirty="0" smtClean="0"/>
-              <a:t>차원 축소 알고리즘</a:t>
+              <a:t>차원 축소 </a:t>
+            </a:r>
+            <a:r>
+              <a:rPr lang="ko-KR" altLang="en-US" dirty="0" smtClean="0"/>
+              <a:t>알고리즘 </a:t>
+            </a:r>
+            <a:r>
+              <a:rPr lang="en-US" altLang="ko-KR" dirty="0" smtClean="0"/>
+              <a:t>– </a:t>
+            </a:r>
+            <a:r>
+              <a:rPr lang="ko-KR" altLang="en-US" dirty="0" smtClean="0"/>
+              <a:t>아직 미정</a:t>
             </a:r>
             <a:r>
               <a:rPr lang="en-US" altLang="ko-KR" dirty="0" smtClean="0"/>
               <a:t>)</a:t>
             </a:r>
+            <a:endParaRPr lang="en-US" altLang="ko-KR" dirty="0" smtClean="0"/>
           </a:p>
           <a:p>
             <a:pPr marL="0" indent="0">
@@ -5612,7 +5633,7 @@
             </a:r>
             <a:r>
               <a:rPr lang="en-US" altLang="ko-KR" dirty="0" smtClean="0"/>
-              <a:t>.</a:t>
+              <a:t>. </a:t>
             </a:r>
             <a:endParaRPr lang="ko-KR" altLang="en-US" dirty="0"/>
           </a:p>
